--- a/presentation/NroomsOpti.pptx
+++ b/presentation/NroomsOpti.pptx
@@ -21,7 +21,7 @@
     <p:sldId id="269" r:id="rId18"/>
     <p:sldId id="270" r:id="rId19"/>
     <p:sldId id="271" r:id="rId20"/>
-    <p:sldId id="272" r:id="rId21"/>
+    <p:sldId id="274" r:id="rId21"/>
     <p:sldId id="273" r:id="rId22"/>
   </p:sldIdLst>
   <p:sldSz cx="12192000" cy="6858000"/>
@@ -297,7 +297,7 @@
           <a:p>
             <a:fld id="{50391E11-73C8-4878-8E24-6F486B952850}" type="datetimeFigureOut">
               <a:rPr lang="ru-RU" smtClean="0"/>
-              <a:t>19.08.2020</a:t>
+              <a:t>20.08.2020</a:t>
             </a:fld>
             <a:endParaRPr lang="ru-RU"/>
           </a:p>
@@ -497,7 +497,7 @@
           <a:p>
             <a:fld id="{50391E11-73C8-4878-8E24-6F486B952850}" type="datetimeFigureOut">
               <a:rPr lang="ru-RU" smtClean="0"/>
-              <a:t>19.08.2020</a:t>
+              <a:t>20.08.2020</a:t>
             </a:fld>
             <a:endParaRPr lang="ru-RU"/>
           </a:p>
@@ -707,7 +707,7 @@
           <a:p>
             <a:fld id="{50391E11-73C8-4878-8E24-6F486B952850}" type="datetimeFigureOut">
               <a:rPr lang="ru-RU" smtClean="0"/>
-              <a:t>19.08.2020</a:t>
+              <a:t>20.08.2020</a:t>
             </a:fld>
             <a:endParaRPr lang="ru-RU"/>
           </a:p>
@@ -907,7 +907,7 @@
           <a:p>
             <a:fld id="{50391E11-73C8-4878-8E24-6F486B952850}" type="datetimeFigureOut">
               <a:rPr lang="ru-RU" smtClean="0"/>
-              <a:t>19.08.2020</a:t>
+              <a:t>20.08.2020</a:t>
             </a:fld>
             <a:endParaRPr lang="ru-RU"/>
           </a:p>
@@ -1183,7 +1183,7 @@
           <a:p>
             <a:fld id="{50391E11-73C8-4878-8E24-6F486B952850}" type="datetimeFigureOut">
               <a:rPr lang="ru-RU" smtClean="0"/>
-              <a:t>19.08.2020</a:t>
+              <a:t>20.08.2020</a:t>
             </a:fld>
             <a:endParaRPr lang="ru-RU"/>
           </a:p>
@@ -1451,7 +1451,7 @@
           <a:p>
             <a:fld id="{50391E11-73C8-4878-8E24-6F486B952850}" type="datetimeFigureOut">
               <a:rPr lang="ru-RU" smtClean="0"/>
-              <a:t>19.08.2020</a:t>
+              <a:t>20.08.2020</a:t>
             </a:fld>
             <a:endParaRPr lang="ru-RU"/>
           </a:p>
@@ -1866,7 +1866,7 @@
           <a:p>
             <a:fld id="{50391E11-73C8-4878-8E24-6F486B952850}" type="datetimeFigureOut">
               <a:rPr lang="ru-RU" smtClean="0"/>
-              <a:t>19.08.2020</a:t>
+              <a:t>20.08.2020</a:t>
             </a:fld>
             <a:endParaRPr lang="ru-RU"/>
           </a:p>
@@ -2008,7 +2008,7 @@
           <a:p>
             <a:fld id="{50391E11-73C8-4878-8E24-6F486B952850}" type="datetimeFigureOut">
               <a:rPr lang="ru-RU" smtClean="0"/>
-              <a:t>19.08.2020</a:t>
+              <a:t>20.08.2020</a:t>
             </a:fld>
             <a:endParaRPr lang="ru-RU"/>
           </a:p>
@@ -2121,7 +2121,7 @@
           <a:p>
             <a:fld id="{50391E11-73C8-4878-8E24-6F486B952850}" type="datetimeFigureOut">
               <a:rPr lang="ru-RU" smtClean="0"/>
-              <a:t>19.08.2020</a:t>
+              <a:t>20.08.2020</a:t>
             </a:fld>
             <a:endParaRPr lang="ru-RU"/>
           </a:p>
@@ -2434,7 +2434,7 @@
           <a:p>
             <a:fld id="{50391E11-73C8-4878-8E24-6F486B952850}" type="datetimeFigureOut">
               <a:rPr lang="ru-RU" smtClean="0"/>
-              <a:t>19.08.2020</a:t>
+              <a:t>20.08.2020</a:t>
             </a:fld>
             <a:endParaRPr lang="ru-RU"/>
           </a:p>
@@ -2723,7 +2723,7 @@
           <a:p>
             <a:fld id="{50391E11-73C8-4878-8E24-6F486B952850}" type="datetimeFigureOut">
               <a:rPr lang="ru-RU" smtClean="0"/>
-              <a:t>19.08.2020</a:t>
+              <a:t>20.08.2020</a:t>
             </a:fld>
             <a:endParaRPr lang="ru-RU"/>
           </a:p>
@@ -2966,7 +2966,7 @@
           <a:p>
             <a:fld id="{50391E11-73C8-4878-8E24-6F486B952850}" type="datetimeFigureOut">
               <a:rPr lang="ru-RU" smtClean="0"/>
-              <a:t>19.08.2020</a:t>
+              <a:t>20.08.2020</a:t>
             </a:fld>
             <a:endParaRPr lang="ru-RU"/>
           </a:p>
@@ -7849,10 +7849,10 @@
       </p:grpSpPr>
       <p:sp>
         <p:nvSpPr>
-          <p:cNvPr id="2" name="Title 1">
+          <p:cNvPr id="4" name="Title 3">
             <a:extLst>
               <a:ext uri="{FF2B5EF4-FFF2-40B4-BE49-F238E27FC236}">
-                <a16:creationId xmlns:a16="http://schemas.microsoft.com/office/drawing/2014/main" id="{DDF58C88-E81F-4027-A550-6D86BD7047EB}"/>
+                <a16:creationId xmlns:a16="http://schemas.microsoft.com/office/drawing/2014/main" id="{B2548BDE-71CE-4ED0-BD7E-76E14269CF8B}"/>
               </a:ext>
             </a:extLst>
           </p:cNvPr>
@@ -7865,59 +7865,225 @@
         </p:nvSpPr>
         <p:spPr>
           <a:xfrm>
-            <a:off x="838200" y="18255"/>
-            <a:ext cx="10515600" cy="1325563"/>
+            <a:off x="156352" y="102880"/>
+            <a:ext cx="5399103" cy="767132"/>
           </a:xfrm>
         </p:spPr>
         <p:txBody>
-          <a:bodyPr/>
+          <a:bodyPr>
+            <a:normAutofit/>
+          </a:bodyPr>
           <a:lstStyle/>
           <a:p>
             <a:r>
-              <a:rPr lang="ru-RU" dirty="0"/>
-              <a:t>Что получилось</a:t>
-            </a:r>
+              <a:rPr lang="en-US" dirty="0"/>
+              <a:t>Objective = 44.5</a:t>
+            </a:r>
+            <a:endParaRPr lang="ru-RU" dirty="0"/>
           </a:p>
         </p:txBody>
       </p:sp>
-      <p:sp>
-        <p:nvSpPr>
-          <p:cNvPr id="3" name="Content Placeholder 2">
+      <p:pic>
+        <p:nvPicPr>
+          <p:cNvPr id="16" name="Content Placeholder 15">
             <a:extLst>
               <a:ext uri="{FF2B5EF4-FFF2-40B4-BE49-F238E27FC236}">
-                <a16:creationId xmlns:a16="http://schemas.microsoft.com/office/drawing/2014/main" id="{F848677C-CFE0-40E6-8FB8-2F68EC1012A0}"/>
+                <a16:creationId xmlns:a16="http://schemas.microsoft.com/office/drawing/2014/main" id="{79136345-CFFC-48C7-95FB-D6131EEBCD92}"/>
               </a:ext>
             </a:extLst>
           </p:cNvPr>
-          <p:cNvSpPr>
-            <a:spLocks noGrp="1"/>
-          </p:cNvSpPr>
+          <p:cNvPicPr>
+            <a:picLocks noGrp="1" noChangeAspect="1"/>
+          </p:cNvPicPr>
           <p:nvPr>
-            <p:ph idx="1"/>
+            <p:ph sz="half" idx="1"/>
           </p:nvPr>
+        </p:nvPicPr>
+        <p:blipFill>
+          <a:blip r:embed="rId2"/>
+          <a:stretch>
+            <a:fillRect/>
+          </a:stretch>
+        </p:blipFill>
+        <p:spPr>
+          <a:xfrm>
+            <a:off x="384790" y="2151078"/>
+            <a:ext cx="2847975" cy="1200150"/>
+          </a:xfrm>
+          <a:prstGeom prst="rect">
+            <a:avLst/>
+          </a:prstGeom>
+        </p:spPr>
+      </p:pic>
+      <p:pic>
+        <p:nvPicPr>
+          <p:cNvPr id="17" name="Picture 16">
+            <a:extLst>
+              <a:ext uri="{FF2B5EF4-FFF2-40B4-BE49-F238E27FC236}">
+                <a16:creationId xmlns:a16="http://schemas.microsoft.com/office/drawing/2014/main" id="{A7B44493-BC33-48FD-8787-BAD2E707FA65}"/>
+              </a:ext>
+            </a:extLst>
+          </p:cNvPr>
+          <p:cNvPicPr>
+            <a:picLocks noChangeAspect="1"/>
+          </p:cNvPicPr>
+          <p:nvPr/>
+        </p:nvPicPr>
+        <p:blipFill>
+          <a:blip r:embed="rId3"/>
+          <a:stretch>
+            <a:fillRect/>
+          </a:stretch>
+        </p:blipFill>
+        <p:spPr>
+          <a:xfrm>
+            <a:off x="384790" y="3506773"/>
+            <a:ext cx="4124325" cy="2286000"/>
+          </a:xfrm>
+          <a:prstGeom prst="rect">
+            <a:avLst/>
+          </a:prstGeom>
+        </p:spPr>
+      </p:pic>
+      <p:sp>
+        <p:nvSpPr>
+          <p:cNvPr id="18" name="TextBox 17">
+            <a:extLst>
+              <a:ext uri="{FF2B5EF4-FFF2-40B4-BE49-F238E27FC236}">
+                <a16:creationId xmlns:a16="http://schemas.microsoft.com/office/drawing/2014/main" id="{3EE89AC6-989B-4DD1-AC3E-F63F496BAC38}"/>
+              </a:ext>
+            </a:extLst>
+          </p:cNvPr>
+          <p:cNvSpPr txBox="1"/>
+          <p:nvPr/>
         </p:nvSpPr>
-        <p:spPr/>
+        <p:spPr>
+          <a:xfrm>
+            <a:off x="397366" y="1344128"/>
+            <a:ext cx="2686559" cy="461665"/>
+          </a:xfrm>
+          <a:prstGeom prst="rect">
+            <a:avLst/>
+          </a:prstGeom>
+          <a:noFill/>
+        </p:spPr>
         <p:txBody>
-          <a:bodyPr/>
+          <a:bodyPr wrap="square" rtlCol="0">
+            <a:spAutoFit/>
+          </a:bodyPr>
           <a:lstStyle/>
           <a:p>
             <a:r>
-              <a:rPr lang="ru-RU" dirty="0"/>
-              <a:t>Площадь большой комнаты 5*9 = 45</a:t>
-            </a:r>
-          </a:p>
-          <a:p>
-            <a:r>
-              <a:rPr lang="ru-RU" dirty="0"/>
-              <a:t>Суммарная площадь маленьких 44.5</a:t>
-            </a:r>
+              <a:rPr lang="ru-RU" sz="2400" dirty="0"/>
+              <a:t>Данные на входе</a:t>
+            </a:r>
+          </a:p>
+        </p:txBody>
+      </p:sp>
+      <p:pic>
+        <p:nvPicPr>
+          <p:cNvPr id="19" name="Picture 18">
+            <a:extLst>
+              <a:ext uri="{FF2B5EF4-FFF2-40B4-BE49-F238E27FC236}">
+                <a16:creationId xmlns:a16="http://schemas.microsoft.com/office/drawing/2014/main" id="{8842D5E0-5B18-4A34-8930-212AA86E48DF}"/>
+              </a:ext>
+            </a:extLst>
+          </p:cNvPr>
+          <p:cNvPicPr>
+            <a:picLocks noChangeAspect="1"/>
+          </p:cNvPicPr>
+          <p:nvPr/>
+        </p:nvPicPr>
+        <p:blipFill>
+          <a:blip r:embed="rId4"/>
+          <a:stretch>
+            <a:fillRect/>
+          </a:stretch>
+        </p:blipFill>
+        <p:spPr>
+          <a:xfrm>
+            <a:off x="6019800" y="2751153"/>
+            <a:ext cx="5991687" cy="3333750"/>
+          </a:xfrm>
+          <a:prstGeom prst="rect">
+            <a:avLst/>
+          </a:prstGeom>
+        </p:spPr>
+      </p:pic>
+      <p:pic>
+        <p:nvPicPr>
+          <p:cNvPr id="20" name="Picture 19">
+            <a:extLst>
+              <a:ext uri="{FF2B5EF4-FFF2-40B4-BE49-F238E27FC236}">
+                <a16:creationId xmlns:a16="http://schemas.microsoft.com/office/drawing/2014/main" id="{C02425F7-F9D3-42D1-9FFF-A9AD77FE1C09}"/>
+              </a:ext>
+            </a:extLst>
+          </p:cNvPr>
+          <p:cNvPicPr>
+            <a:picLocks noChangeAspect="1"/>
+          </p:cNvPicPr>
+          <p:nvPr/>
+        </p:nvPicPr>
+        <p:blipFill>
+          <a:blip r:embed="rId5"/>
+          <a:stretch>
+            <a:fillRect/>
+          </a:stretch>
+        </p:blipFill>
+        <p:spPr>
+          <a:xfrm>
+            <a:off x="6229580" y="286317"/>
+            <a:ext cx="5572125" cy="2286000"/>
+          </a:xfrm>
+          <a:prstGeom prst="rect">
+            <a:avLst/>
+          </a:prstGeom>
+        </p:spPr>
+      </p:pic>
+      <p:sp>
+        <p:nvSpPr>
+          <p:cNvPr id="21" name="TextBox 20">
+            <a:extLst>
+              <a:ext uri="{FF2B5EF4-FFF2-40B4-BE49-F238E27FC236}">
+                <a16:creationId xmlns:a16="http://schemas.microsoft.com/office/drawing/2014/main" id="{CFD61A6A-B89C-43CD-81E4-570C57F84C48}"/>
+              </a:ext>
+            </a:extLst>
+          </p:cNvPr>
+          <p:cNvSpPr txBox="1"/>
+          <p:nvPr/>
+        </p:nvSpPr>
+        <p:spPr>
+          <a:xfrm>
+            <a:off x="1966911" y="6110615"/>
+            <a:ext cx="7177089" cy="523220"/>
+          </a:xfrm>
+          <a:prstGeom prst="rect">
+            <a:avLst/>
+          </a:prstGeom>
+          <a:noFill/>
+        </p:spPr>
+        <p:txBody>
+          <a:bodyPr wrap="square" rtlCol="0">
+            <a:spAutoFit/>
+          </a:bodyPr>
+          <a:lstStyle/>
+          <a:p>
+            <a:r>
+              <a:rPr lang="ru-RU" sz="2800" dirty="0"/>
+              <a:t>Всего около 34 решений с </a:t>
+            </a:r>
+            <a:r>
+              <a:rPr lang="en-US" sz="2800" dirty="0"/>
+              <a:t>Objective = 44.5</a:t>
+            </a:r>
+            <a:endParaRPr lang="ru-RU" sz="2800" dirty="0"/>
           </a:p>
         </p:txBody>
       </p:sp>
     </p:spTree>
     <p:extLst>
       <p:ext uri="{BB962C8B-B14F-4D97-AF65-F5344CB8AC3E}">
-        <p14:creationId xmlns:p14="http://schemas.microsoft.com/office/powerpoint/2010/main" val="2128352114"/>
+        <p14:creationId xmlns:p14="http://schemas.microsoft.com/office/powerpoint/2010/main" val="1543726012"/>
       </p:ext>
     </p:extLst>
   </p:cSld>
@@ -7995,59 +8161,62 @@
         </p:nvSpPr>
         <p:spPr>
           <a:xfrm>
-            <a:off x="838200" y="1251751"/>
-            <a:ext cx="10515600" cy="4465468"/>
+            <a:off x="838200" y="1251752"/>
+            <a:ext cx="10515600" cy="4811698"/>
           </a:xfrm>
         </p:spPr>
         <p:txBody>
           <a:bodyPr>
-            <a:normAutofit fontScale="85000" lnSpcReduction="10000"/>
+            <a:normAutofit fontScale="55000" lnSpcReduction="20000"/>
           </a:bodyPr>
           <a:lstStyle/>
           <a:p>
-            <a:r>
-              <a:rPr lang="ru-RU" dirty="0"/>
-              <a:t>Думал линейная задача – оказалось нет</a:t>
-            </a:r>
-          </a:p>
-          <a:p>
             <a:endParaRPr lang="ru-RU" dirty="0"/>
           </a:p>
           <a:p>
             <a:r>
-              <a:rPr lang="en-US" dirty="0"/>
+              <a:rPr lang="ru-RU" sz="5800" dirty="0"/>
+              <a:t> Думал линейная задача – оказалось нет</a:t>
+            </a:r>
+          </a:p>
+          <a:p>
+            <a:endParaRPr lang="ru-RU" sz="5100" dirty="0"/>
+          </a:p>
+          <a:p>
+            <a:r>
+              <a:rPr lang="en-US" sz="6700" dirty="0"/>
               <a:t>ILOG </a:t>
             </a:r>
             <a:r>
-              <a:rPr lang="ru-RU" dirty="0"/>
+              <a:rPr lang="ru-RU" sz="6700" dirty="0"/>
               <a:t>может решать квадратичные задачи с </a:t>
             </a:r>
             <a:r>
-              <a:rPr lang="ru-RU" b="1" dirty="0"/>
+              <a:rPr lang="ru-RU" sz="6700" b="1" dirty="0"/>
               <a:t>целочисленными переменными </a:t>
             </a:r>
             <a:r>
-              <a:rPr lang="ru-RU" dirty="0"/>
+              <a:rPr lang="ru-RU" sz="6700" dirty="0"/>
               <a:t>(</a:t>
             </a:r>
             <a:r>
-              <a:rPr lang="en-US" dirty="0" err="1"/>
+              <a:rPr lang="en-US" sz="6700" dirty="0" err="1"/>
               <a:t>PuLP</a:t>
             </a:r>
             <a:r>
-              <a:rPr lang="en-US" dirty="0"/>
+              <a:rPr lang="en-US" sz="6700" dirty="0"/>
               <a:t> (</a:t>
             </a:r>
             <a:r>
-              <a:rPr lang="en-US" dirty="0" err="1"/>
+              <a:rPr lang="en-US" sz="6700" dirty="0" err="1"/>
               <a:t>cbc</a:t>
             </a:r>
             <a:r>
-              <a:rPr lang="en-US" dirty="0"/>
+              <a:rPr lang="en-US" sz="6700" dirty="0"/>
               <a:t>) – </a:t>
             </a:r>
             <a:r>
-              <a:rPr lang="ru-RU" dirty="0"/>
+              <a:rPr lang="ru-RU" sz="6700" dirty="0"/>
               <a:t>не справился бы)</a:t>
             </a:r>
           </a:p>
@@ -8055,21 +8224,18 @@
             <a:pPr marL="0" indent="0">
               <a:buNone/>
             </a:pPr>
-            <a:endParaRPr lang="ru-RU" dirty="0"/>
-          </a:p>
-          <a:p>
-            <a:r>
-              <a:rPr lang="ru-RU" dirty="0"/>
+            <a:endParaRPr lang="ru-RU" sz="5100" dirty="0"/>
+          </a:p>
+          <a:p>
+            <a:r>
+              <a:rPr lang="ru-RU" sz="6700" dirty="0"/>
               <a:t>Есть много задач по оптимизации не только логистики (следующая тема)</a:t>
             </a:r>
           </a:p>
           <a:p>
-            <a:endParaRPr lang="ru-RU" dirty="0"/>
-          </a:p>
-          <a:p>
-            <a:endParaRPr lang="ru-RU" dirty="0"/>
-          </a:p>
-          <a:p>
+            <a:pPr marL="0" indent="0">
+              <a:buNone/>
+            </a:pPr>
             <a:endParaRPr lang="ru-RU" dirty="0"/>
           </a:p>
           <a:p>
@@ -12789,15 +12955,6 @@
 </file>
 
 <file path=customXml/item1.xml><?xml version="1.0" encoding="utf-8"?>
-<?mso-contentType ?>
-<FormTemplates xmlns="http://schemas.microsoft.com/sharepoint/v3/contenttype/forms">
-  <Display>DocumentLibraryForm</Display>
-  <Edit>DocumentLibraryForm</Edit>
-  <New>DocumentLibraryForm</New>
-</FormTemplates>
-</file>
-
-<file path=customXml/item2.xml><?xml version="1.0" encoding="utf-8"?>
 <ct:contentTypeSchema xmlns:ct="http://schemas.microsoft.com/office/2006/metadata/contentType" xmlns:ma="http://schemas.microsoft.com/office/2006/metadata/properties/metaAttributes" ct:_="" ma:_="" ma:contentTypeName="Document" ma:contentTypeID="0x010100E59E4337E4CEF34582A9AF5EADC6ED5B" ma:contentTypeVersion="7" ma:contentTypeDescription="Create a new document." ma:contentTypeScope="" ma:versionID="3addb3da2cc80d19c498985a4a80d070">
   <xsd:schema xmlns:xsd="http://www.w3.org/2001/XMLSchema" xmlns:xs="http://www.w3.org/2001/XMLSchema" xmlns:p="http://schemas.microsoft.com/office/2006/metadata/properties" xmlns:ns3="fe8ac137-51a0-47a8-af54-5222cab873d7" targetNamespace="http://schemas.microsoft.com/office/2006/metadata/properties" ma:root="true" ma:fieldsID="37e05e78391a31e6df0dae36f6b9643c" ns3:_="">
     <xsd:import namespace="fe8ac137-51a0-47a8-af54-5222cab873d7"/>
@@ -12961,6 +13118,15 @@
 </ct:contentTypeSchema>
 </file>
 
+<file path=customXml/item2.xml><?xml version="1.0" encoding="utf-8"?>
+<?mso-contentType ?>
+<FormTemplates xmlns="http://schemas.microsoft.com/sharepoint/v3/contenttype/forms">
+  <Display>DocumentLibraryForm</Display>
+  <Edit>DocumentLibraryForm</Edit>
+  <New>DocumentLibraryForm</New>
+</FormTemplates>
+</file>
+
 <file path=customXml/item3.xml><?xml version="1.0" encoding="utf-8"?>
 <p:properties xmlns:p="http://schemas.microsoft.com/office/2006/metadata/properties" xmlns:xsi="http://www.w3.org/2001/XMLSchema-instance" xmlns:pc="http://schemas.microsoft.com/office/infopath/2007/PartnerControls">
   <documentManagement/>
@@ -12968,14 +13134,6 @@
 </file>
 
 <file path=customXml/itemProps1.xml><?xml version="1.0" encoding="utf-8"?>
-<ds:datastoreItem xmlns:ds="http://schemas.openxmlformats.org/officeDocument/2006/customXml" ds:itemID="{A58CD73F-50D1-43D0-A33A-175569F1D79D}">
-  <ds:schemaRefs>
-    <ds:schemaRef ds:uri="http://schemas.microsoft.com/sharepoint/v3/contenttype/forms"/>
-  </ds:schemaRefs>
-</ds:datastoreItem>
-</file>
-
-<file path=customXml/itemProps2.xml><?xml version="1.0" encoding="utf-8"?>
 <ds:datastoreItem xmlns:ds="http://schemas.openxmlformats.org/officeDocument/2006/customXml" ds:itemID="{F8BECB7E-BD94-4727-B0F4-E95C59126925}">
   <ds:schemaRefs>
     <ds:schemaRef ds:uri="http://schemas.microsoft.com/office/2006/metadata/contentType"/>
@@ -12989,6 +13147,14 @@
     <ds:schemaRef ds:uri="http://purl.org/dc/elements/1.1/"/>
     <ds:schemaRef ds:uri="http://purl.org/dc/terms/"/>
     <ds:schemaRef ds:uri="http://schemas.microsoft.com/internal/obd"/>
+  </ds:schemaRefs>
+</ds:datastoreItem>
+</file>
+
+<file path=customXml/itemProps2.xml><?xml version="1.0" encoding="utf-8"?>
+<ds:datastoreItem xmlns:ds="http://schemas.openxmlformats.org/officeDocument/2006/customXml" ds:itemID="{A58CD73F-50D1-43D0-A33A-175569F1D79D}">
+  <ds:schemaRefs>
+    <ds:schemaRef ds:uri="http://schemas.microsoft.com/sharepoint/v3/contenttype/forms"/>
   </ds:schemaRefs>
 </ds:datastoreItem>
 </file>

--- a/presentation/NroomsOpti.pptx
+++ b/presentation/NroomsOpti.pptx
@@ -297,7 +297,7 @@
           <a:p>
             <a:fld id="{50391E11-73C8-4878-8E24-6F486B952850}" type="datetimeFigureOut">
               <a:rPr lang="ru-RU" smtClean="0"/>
-              <a:t>20.08.2020</a:t>
+              <a:t>24.08.2020</a:t>
             </a:fld>
             <a:endParaRPr lang="ru-RU"/>
           </a:p>
@@ -497,7 +497,7 @@
           <a:p>
             <a:fld id="{50391E11-73C8-4878-8E24-6F486B952850}" type="datetimeFigureOut">
               <a:rPr lang="ru-RU" smtClean="0"/>
-              <a:t>20.08.2020</a:t>
+              <a:t>24.08.2020</a:t>
             </a:fld>
             <a:endParaRPr lang="ru-RU"/>
           </a:p>
@@ -707,7 +707,7 @@
           <a:p>
             <a:fld id="{50391E11-73C8-4878-8E24-6F486B952850}" type="datetimeFigureOut">
               <a:rPr lang="ru-RU" smtClean="0"/>
-              <a:t>20.08.2020</a:t>
+              <a:t>24.08.2020</a:t>
             </a:fld>
             <a:endParaRPr lang="ru-RU"/>
           </a:p>
@@ -907,7 +907,7 @@
           <a:p>
             <a:fld id="{50391E11-73C8-4878-8E24-6F486B952850}" type="datetimeFigureOut">
               <a:rPr lang="ru-RU" smtClean="0"/>
-              <a:t>20.08.2020</a:t>
+              <a:t>24.08.2020</a:t>
             </a:fld>
             <a:endParaRPr lang="ru-RU"/>
           </a:p>
@@ -1183,7 +1183,7 @@
           <a:p>
             <a:fld id="{50391E11-73C8-4878-8E24-6F486B952850}" type="datetimeFigureOut">
               <a:rPr lang="ru-RU" smtClean="0"/>
-              <a:t>20.08.2020</a:t>
+              <a:t>24.08.2020</a:t>
             </a:fld>
             <a:endParaRPr lang="ru-RU"/>
           </a:p>
@@ -1451,7 +1451,7 @@
           <a:p>
             <a:fld id="{50391E11-73C8-4878-8E24-6F486B952850}" type="datetimeFigureOut">
               <a:rPr lang="ru-RU" smtClean="0"/>
-              <a:t>20.08.2020</a:t>
+              <a:t>24.08.2020</a:t>
             </a:fld>
             <a:endParaRPr lang="ru-RU"/>
           </a:p>
@@ -1866,7 +1866,7 @@
           <a:p>
             <a:fld id="{50391E11-73C8-4878-8E24-6F486B952850}" type="datetimeFigureOut">
               <a:rPr lang="ru-RU" smtClean="0"/>
-              <a:t>20.08.2020</a:t>
+              <a:t>24.08.2020</a:t>
             </a:fld>
             <a:endParaRPr lang="ru-RU"/>
           </a:p>
@@ -2008,7 +2008,7 @@
           <a:p>
             <a:fld id="{50391E11-73C8-4878-8E24-6F486B952850}" type="datetimeFigureOut">
               <a:rPr lang="ru-RU" smtClean="0"/>
-              <a:t>20.08.2020</a:t>
+              <a:t>24.08.2020</a:t>
             </a:fld>
             <a:endParaRPr lang="ru-RU"/>
           </a:p>
@@ -2121,7 +2121,7 @@
           <a:p>
             <a:fld id="{50391E11-73C8-4878-8E24-6F486B952850}" type="datetimeFigureOut">
               <a:rPr lang="ru-RU" smtClean="0"/>
-              <a:t>20.08.2020</a:t>
+              <a:t>24.08.2020</a:t>
             </a:fld>
             <a:endParaRPr lang="ru-RU"/>
           </a:p>
@@ -2434,7 +2434,7 @@
           <a:p>
             <a:fld id="{50391E11-73C8-4878-8E24-6F486B952850}" type="datetimeFigureOut">
               <a:rPr lang="ru-RU" smtClean="0"/>
-              <a:t>20.08.2020</a:t>
+              <a:t>24.08.2020</a:t>
             </a:fld>
             <a:endParaRPr lang="ru-RU"/>
           </a:p>
@@ -2723,7 +2723,7 @@
           <a:p>
             <a:fld id="{50391E11-73C8-4878-8E24-6F486B952850}" type="datetimeFigureOut">
               <a:rPr lang="ru-RU" smtClean="0"/>
-              <a:t>20.08.2020</a:t>
+              <a:t>24.08.2020</a:t>
             </a:fld>
             <a:endParaRPr lang="ru-RU"/>
           </a:p>
@@ -2966,7 +2966,7 @@
           <a:p>
             <a:fld id="{50391E11-73C8-4878-8E24-6F486B952850}" type="datetimeFigureOut">
               <a:rPr lang="ru-RU" smtClean="0"/>
-              <a:t>20.08.2020</a:t>
+              <a:t>24.08.2020</a:t>
             </a:fld>
             <a:endParaRPr lang="ru-RU"/>
           </a:p>
@@ -8070,7 +8070,7 @@
           <a:p>
             <a:r>
               <a:rPr lang="ru-RU" sz="2800" dirty="0"/>
-              <a:t>Всего около 34 решений с </a:t>
+              <a:t>Всего около 34 решения с </a:t>
             </a:r>
             <a:r>
               <a:rPr lang="en-US" sz="2800" dirty="0"/>
@@ -8176,7 +8176,15 @@
           <a:p>
             <a:r>
               <a:rPr lang="ru-RU" sz="5800" dirty="0"/>
-              <a:t> Думал линейная задача – оказалось нет</a:t>
+              <a:t> Думал линейная задача – оказалось нет (и </a:t>
+            </a:r>
+            <a:r>
+              <a:rPr lang="en-US" sz="5800" dirty="0"/>
+              <a:t>nonconvex</a:t>
+            </a:r>
+            <a:r>
+              <a:rPr lang="ru-RU" sz="5800" dirty="0"/>
+              <a:t>)</a:t>
             </a:r>
           </a:p>
           <a:p>
@@ -8229,7 +8237,7 @@
           <a:p>
             <a:r>
               <a:rPr lang="ru-RU" sz="6700" dirty="0"/>
-              <a:t>Есть много задач по оптимизации не только логистики (следующая тема)</a:t>
+              <a:t>Есть много задач по оптимизации не только логистики</a:t>
             </a:r>
           </a:p>
           <a:p>
@@ -8345,7 +8353,7 @@
           <a:p>
             <a:r>
               <a:rPr lang="ru-RU" dirty="0"/>
-              <a:t>Бизнес формулировка задачи</a:t>
+              <a:t>Формулировка задачи</a:t>
             </a:r>
           </a:p>
           <a:p>
@@ -8446,7 +8454,7 @@
           <a:p>
             <a:r>
               <a:rPr lang="ru-RU" dirty="0"/>
-              <a:t>Бизнес формулировка задачи</a:t>
+              <a:t>Формулировка задачи</a:t>
             </a:r>
           </a:p>
         </p:txBody>
@@ -12955,6 +12963,15 @@
 </file>
 
 <file path=customXml/item1.xml><?xml version="1.0" encoding="utf-8"?>
+<?mso-contentType ?>
+<FormTemplates xmlns="http://schemas.microsoft.com/sharepoint/v3/contenttype/forms">
+  <Display>DocumentLibraryForm</Display>
+  <Edit>DocumentLibraryForm</Edit>
+  <New>DocumentLibraryForm</New>
+</FormTemplates>
+</file>
+
+<file path=customXml/item2.xml><?xml version="1.0" encoding="utf-8"?>
 <ct:contentTypeSchema xmlns:ct="http://schemas.microsoft.com/office/2006/metadata/contentType" xmlns:ma="http://schemas.microsoft.com/office/2006/metadata/properties/metaAttributes" ct:_="" ma:_="" ma:contentTypeName="Document" ma:contentTypeID="0x010100E59E4337E4CEF34582A9AF5EADC6ED5B" ma:contentTypeVersion="7" ma:contentTypeDescription="Create a new document." ma:contentTypeScope="" ma:versionID="3addb3da2cc80d19c498985a4a80d070">
   <xsd:schema xmlns:xsd="http://www.w3.org/2001/XMLSchema" xmlns:xs="http://www.w3.org/2001/XMLSchema" xmlns:p="http://schemas.microsoft.com/office/2006/metadata/properties" xmlns:ns3="fe8ac137-51a0-47a8-af54-5222cab873d7" targetNamespace="http://schemas.microsoft.com/office/2006/metadata/properties" ma:root="true" ma:fieldsID="37e05e78391a31e6df0dae36f6b9643c" ns3:_="">
     <xsd:import namespace="fe8ac137-51a0-47a8-af54-5222cab873d7"/>
@@ -13118,15 +13135,6 @@
 </ct:contentTypeSchema>
 </file>
 
-<file path=customXml/item2.xml><?xml version="1.0" encoding="utf-8"?>
-<?mso-contentType ?>
-<FormTemplates xmlns="http://schemas.microsoft.com/sharepoint/v3/contenttype/forms">
-  <Display>DocumentLibraryForm</Display>
-  <Edit>DocumentLibraryForm</Edit>
-  <New>DocumentLibraryForm</New>
-</FormTemplates>
-</file>
-
 <file path=customXml/item3.xml><?xml version="1.0" encoding="utf-8"?>
 <p:properties xmlns:p="http://schemas.microsoft.com/office/2006/metadata/properties" xmlns:xsi="http://www.w3.org/2001/XMLSchema-instance" xmlns:pc="http://schemas.microsoft.com/office/infopath/2007/PartnerControls">
   <documentManagement/>
@@ -13134,6 +13142,14 @@
 </file>
 
 <file path=customXml/itemProps1.xml><?xml version="1.0" encoding="utf-8"?>
+<ds:datastoreItem xmlns:ds="http://schemas.openxmlformats.org/officeDocument/2006/customXml" ds:itemID="{A58CD73F-50D1-43D0-A33A-175569F1D79D}">
+  <ds:schemaRefs>
+    <ds:schemaRef ds:uri="http://schemas.microsoft.com/sharepoint/v3/contenttype/forms"/>
+  </ds:schemaRefs>
+</ds:datastoreItem>
+</file>
+
+<file path=customXml/itemProps2.xml><?xml version="1.0" encoding="utf-8"?>
 <ds:datastoreItem xmlns:ds="http://schemas.openxmlformats.org/officeDocument/2006/customXml" ds:itemID="{F8BECB7E-BD94-4727-B0F4-E95C59126925}">
   <ds:schemaRefs>
     <ds:schemaRef ds:uri="http://schemas.microsoft.com/office/2006/metadata/contentType"/>
@@ -13147,14 +13163,6 @@
     <ds:schemaRef ds:uri="http://purl.org/dc/elements/1.1/"/>
     <ds:schemaRef ds:uri="http://purl.org/dc/terms/"/>
     <ds:schemaRef ds:uri="http://schemas.microsoft.com/internal/obd"/>
-  </ds:schemaRefs>
-</ds:datastoreItem>
-</file>
-
-<file path=customXml/itemProps2.xml><?xml version="1.0" encoding="utf-8"?>
-<ds:datastoreItem xmlns:ds="http://schemas.openxmlformats.org/officeDocument/2006/customXml" ds:itemID="{A58CD73F-50D1-43D0-A33A-175569F1D79D}">
-  <ds:schemaRefs>
-    <ds:schemaRef ds:uri="http://schemas.microsoft.com/sharepoint/v3/contenttype/forms"/>
   </ds:schemaRefs>
 </ds:datastoreItem>
 </file>
